--- a/lecture-slides/lab-activity/many-groups-lab.pptx
+++ b/lecture-slides/lab-activity/many-groups-lab.pptx
@@ -3477,8 +3477,8 @@
         </p:blipFill>
         <p:spPr>
           <a:xfrm>
-            <a:off x="4023360" y="1911189"/>
-            <a:ext cx="6020325" cy="4672491"/>
+            <a:off x="2692400" y="1957064"/>
+            <a:ext cx="5300133" cy="4113536"/>
           </a:xfrm>
           <a:prstGeom prst="rect">
             <a:avLst/>
@@ -4165,8 +4165,8 @@
         </p:blipFill>
         <p:spPr>
           <a:xfrm>
-            <a:off x="5204716" y="1077899"/>
-            <a:ext cx="6343815" cy="5099064"/>
+            <a:off x="5708581" y="1782981"/>
+            <a:ext cx="5426690" cy="4361892"/>
           </a:xfrm>
           <a:prstGeom prst="rect">
             <a:avLst/>
@@ -4512,15 +4512,6 @@
               <a:t>output gives confidence intervals for the difference between all pairs of means within each level of a factor (what? let’s look at the output)</a:t>
             </a:r>
           </a:p>
-          <a:p>
-            <a:endParaRPr lang="en-US" sz="1900" dirty="0"/>
-          </a:p>
-          <a:p>
-            <a:r>
-              <a:rPr lang="en-US" sz="1900" dirty="0"/>
-              <a:t>The number of pairwise comparisons increases quickly in factorial designs!</a:t>
-            </a:r>
-          </a:p>
         </p:txBody>
       </p:sp>
       <p:grpSp>
@@ -5004,8 +4995,8 @@
         </p:blipFill>
         <p:spPr>
           <a:xfrm>
-            <a:off x="5230367" y="2201012"/>
-            <a:ext cx="6553115" cy="3975952"/>
+            <a:off x="4825999" y="1955670"/>
+            <a:ext cx="6957483" cy="4221293"/>
           </a:xfrm>
           <a:prstGeom prst="rect">
             <a:avLst/>
@@ -5144,8 +5135,8 @@
         </p:blipFill>
         <p:spPr>
           <a:xfrm>
-            <a:off x="4157472" y="2494777"/>
-            <a:ext cx="7458792" cy="2897378"/>
+            <a:off x="4775200" y="2734733"/>
+            <a:ext cx="6841064" cy="2657421"/>
           </a:xfrm>
           <a:prstGeom prst="rect">
             <a:avLst/>
@@ -5423,8 +5414,8 @@
         </p:blipFill>
         <p:spPr>
           <a:xfrm>
-            <a:off x="1484501" y="1391391"/>
-            <a:ext cx="9470088" cy="4433676"/>
+            <a:off x="1628775" y="1457483"/>
+            <a:ext cx="8934450" cy="4182903"/>
           </a:xfrm>
           <a:prstGeom prst="rect">
             <a:avLst/>
